--- a/1 - Apresentações/08 - Distribuições de probabilidades para variáveis aleatórias discretas.pptx
+++ b/1 - Apresentações/08 - Distribuições de probabilidades para variáveis aleatórias discretas.pptx
@@ -5,7 +5,7 @@
     <p:sldMasterId id="2147483660" r:id="rId1"/>
   </p:sldMasterIdLst>
   <p:notesMasterIdLst>
-    <p:notesMasterId r:id="rId40"/>
+    <p:notesMasterId r:id="rId39"/>
   </p:notesMasterIdLst>
   <p:sldIdLst>
     <p:sldId id="256" r:id="rId2"/>
@@ -38,14 +38,13 @@
     <p:sldId id="284" r:id="rId29"/>
     <p:sldId id="285" r:id="rId30"/>
     <p:sldId id="286" r:id="rId31"/>
-    <p:sldId id="288" r:id="rId32"/>
-    <p:sldId id="287" r:id="rId33"/>
-    <p:sldId id="293" r:id="rId34"/>
-    <p:sldId id="290" r:id="rId35"/>
-    <p:sldId id="314" r:id="rId36"/>
-    <p:sldId id="291" r:id="rId37"/>
-    <p:sldId id="315" r:id="rId38"/>
-    <p:sldId id="289" r:id="rId39"/>
+    <p:sldId id="287" r:id="rId32"/>
+    <p:sldId id="293" r:id="rId33"/>
+    <p:sldId id="290" r:id="rId34"/>
+    <p:sldId id="314" r:id="rId35"/>
+    <p:sldId id="291" r:id="rId36"/>
+    <p:sldId id="315" r:id="rId37"/>
+    <p:sldId id="289" r:id="rId38"/>
   </p:sldIdLst>
   <p:sldSz cx="12192000" cy="6858000"/>
   <p:notesSz cx="6858000" cy="9144000"/>
@@ -985,7 +984,7 @@
           <a:p>
             <a:fld id="{FAB5EE9D-A04F-413D-B77A-C891F23154A4}" type="datetimeFigureOut">
               <a:rPr lang="en-US" smtClean="0"/>
-              <a:t>6/2/2021</a:t>
+              <a:t>6/11/2021</a:t>
             </a:fld>
             <a:endParaRPr lang="en-US"/>
           </a:p>
@@ -10045,7 +10044,7 @@
           <a:p>
             <a:fld id="{5E7A9C64-4CDD-410A-9115-6C2C5881ED1D}" type="datetimeFigureOut">
               <a:rPr lang="en-US" smtClean="0"/>
-              <a:t>6/2/2021</a:t>
+              <a:t>6/11/2021</a:t>
             </a:fld>
             <a:endParaRPr lang="en-US"/>
           </a:p>
@@ -10252,7 +10251,7 @@
           <a:p>
             <a:fld id="{5E7A9C64-4CDD-410A-9115-6C2C5881ED1D}" type="datetimeFigureOut">
               <a:rPr lang="en-US" smtClean="0"/>
-              <a:t>6/2/2021</a:t>
+              <a:t>6/11/2021</a:t>
             </a:fld>
             <a:endParaRPr lang="en-US"/>
           </a:p>
@@ -10432,7 +10431,7 @@
           <a:p>
             <a:fld id="{5E7A9C64-4CDD-410A-9115-6C2C5881ED1D}" type="datetimeFigureOut">
               <a:rPr lang="en-US" smtClean="0"/>
-              <a:t>6/2/2021</a:t>
+              <a:t>6/11/2021</a:t>
             </a:fld>
             <a:endParaRPr lang="en-US"/>
           </a:p>
@@ -10637,7 +10636,7 @@
           <a:p>
             <a:fld id="{5E7A9C64-4CDD-410A-9115-6C2C5881ED1D}" type="datetimeFigureOut">
               <a:rPr lang="en-US" smtClean="0"/>
-              <a:t>6/2/2021</a:t>
+              <a:t>6/11/2021</a:t>
             </a:fld>
             <a:endParaRPr lang="en-US"/>
           </a:p>
@@ -19535,7 +19534,7 @@
           <a:p>
             <a:fld id="{5E7A9C64-4CDD-410A-9115-6C2C5881ED1D}" type="datetimeFigureOut">
               <a:rPr lang="en-US" smtClean="0"/>
-              <a:t>6/2/2021</a:t>
+              <a:t>6/11/2021</a:t>
             </a:fld>
             <a:endParaRPr lang="en-US"/>
           </a:p>
@@ -19809,7 +19808,7 @@
           <a:p>
             <a:fld id="{5E7A9C64-4CDD-410A-9115-6C2C5881ED1D}" type="datetimeFigureOut">
               <a:rPr lang="en-US" smtClean="0"/>
-              <a:t>6/2/2021</a:t>
+              <a:t>6/11/2021</a:t>
             </a:fld>
             <a:endParaRPr lang="en-US"/>
           </a:p>
@@ -20207,7 +20206,7 @@
           <a:p>
             <a:fld id="{5E7A9C64-4CDD-410A-9115-6C2C5881ED1D}" type="datetimeFigureOut">
               <a:rPr lang="en-US" smtClean="0"/>
-              <a:t>6/2/2021</a:t>
+              <a:t>6/11/2021</a:t>
             </a:fld>
             <a:endParaRPr lang="en-US"/>
           </a:p>
@@ -20325,7 +20324,7 @@
           <a:p>
             <a:fld id="{5E7A9C64-4CDD-410A-9115-6C2C5881ED1D}" type="datetimeFigureOut">
               <a:rPr lang="en-US" smtClean="0"/>
-              <a:t>6/2/2021</a:t>
+              <a:t>6/11/2021</a:t>
             </a:fld>
             <a:endParaRPr lang="en-US"/>
           </a:p>
@@ -20420,7 +20419,7 @@
           <a:p>
             <a:fld id="{5E7A9C64-4CDD-410A-9115-6C2C5881ED1D}" type="datetimeFigureOut">
               <a:rPr lang="en-US" smtClean="0"/>
-              <a:t>6/2/2021</a:t>
+              <a:t>6/11/2021</a:t>
             </a:fld>
             <a:endParaRPr lang="en-US"/>
           </a:p>
@@ -20710,7 +20709,7 @@
           <a:p>
             <a:fld id="{5E7A9C64-4CDD-410A-9115-6C2C5881ED1D}" type="datetimeFigureOut">
               <a:rPr lang="en-US" smtClean="0"/>
-              <a:t>6/2/2021</a:t>
+              <a:t>6/11/2021</a:t>
             </a:fld>
             <a:endParaRPr lang="en-US"/>
           </a:p>
@@ -20990,7 +20989,7 @@
           <a:p>
             <a:fld id="{5E7A9C64-4CDD-410A-9115-6C2C5881ED1D}" type="datetimeFigureOut">
               <a:rPr lang="en-US" smtClean="0"/>
-              <a:t>6/2/2021</a:t>
+              <a:t>6/11/2021</a:t>
             </a:fld>
             <a:endParaRPr lang="en-US"/>
           </a:p>
@@ -21240,7 +21239,7 @@
           <a:p>
             <a:fld id="{5E7A9C64-4CDD-410A-9115-6C2C5881ED1D}" type="datetimeFigureOut">
               <a:rPr lang="en-US" smtClean="0"/>
-              <a:t>6/2/2021</a:t>
+              <a:t>6/11/2021</a:t>
             </a:fld>
             <a:endParaRPr lang="en-US"/>
           </a:p>
@@ -22233,8 +22232,8 @@
           </a:p>
         </p:txBody>
       </p:sp>
-      <mc:AlternateContent xmlns:mc="http://schemas.openxmlformats.org/markup-compatibility/2006">
-        <mc:Choice xmlns:a14="http://schemas.microsoft.com/office/drawing/2010/main" Requires="a14">
+      <mc:AlternateContent xmlns:mc="http://schemas.openxmlformats.org/markup-compatibility/2006" xmlns:a14="http://schemas.microsoft.com/office/drawing/2010/main">
+        <mc:Choice Requires="a14">
           <p:sp>
             <p:nvSpPr>
               <p:cNvPr id="3" name="Content Placeholder 2">
@@ -22613,7 +22612,7 @@
             </p:txBody>
           </p:sp>
         </mc:Choice>
-        <mc:Fallback>
+        <mc:Fallback xmlns="">
           <p:sp>
             <p:nvSpPr>
               <p:cNvPr id="3" name="Content Placeholder 2">
@@ -28024,8 +28023,8 @@
           </a:fontRef>
         </p:style>
       </p:cxnSp>
-      <mc:AlternateContent xmlns:mc="http://schemas.openxmlformats.org/markup-compatibility/2006">
-        <mc:Choice xmlns:a14="http://schemas.microsoft.com/office/drawing/2010/main" Requires="a14">
+      <mc:AlternateContent xmlns:mc="http://schemas.openxmlformats.org/markup-compatibility/2006" xmlns:a14="http://schemas.microsoft.com/office/drawing/2010/main">
+        <mc:Choice Requires="a14">
           <p:sp>
             <p:nvSpPr>
               <p:cNvPr id="5" name="Content Placeholder 4">
@@ -28112,7 +28111,7 @@
             </p:txBody>
           </p:sp>
         </mc:Choice>
-        <mc:Fallback>
+        <mc:Fallback xmlns="">
           <p:sp>
             <p:nvSpPr>
               <p:cNvPr id="5" name="Content Placeholder 4">
@@ -28752,8 +28751,8 @@
           </a:p>
         </p:txBody>
       </p:sp>
-      <mc:AlternateContent xmlns:mc="http://schemas.openxmlformats.org/markup-compatibility/2006">
-        <mc:Choice xmlns:a14="http://schemas.microsoft.com/office/drawing/2010/main" Requires="a14">
+      <mc:AlternateContent xmlns:mc="http://schemas.openxmlformats.org/markup-compatibility/2006" xmlns:a14="http://schemas.microsoft.com/office/drawing/2010/main">
+        <mc:Choice Requires="a14">
           <p:sp>
             <p:nvSpPr>
               <p:cNvPr id="3" name="Content Placeholder 2">
@@ -29018,7 +29017,7 @@
             </p:txBody>
           </p:sp>
         </mc:Choice>
-        <mc:Fallback>
+        <mc:Fallback xmlns="">
           <p:sp>
             <p:nvSpPr>
               <p:cNvPr id="3" name="Content Placeholder 2">
@@ -31352,1408 +31351,6 @@
           <p:cNvPr id="2" name="Title 1">
             <a:extLst>
               <a:ext uri="{FF2B5EF4-FFF2-40B4-BE49-F238E27FC236}">
-                <a16:creationId xmlns:a16="http://schemas.microsoft.com/office/drawing/2014/main" id="{13712E89-6CC3-4FEF-8F0A-65BD6B0CF453}"/>
-              </a:ext>
-            </a:extLst>
-          </p:cNvPr>
-          <p:cNvSpPr>
-            <a:spLocks noGrp="1"/>
-          </p:cNvSpPr>
-          <p:nvPr>
-            <p:ph type="title"/>
-          </p:nvPr>
-        </p:nvSpPr>
-        <p:spPr/>
-        <p:txBody>
-          <a:bodyPr/>
-          <a:lstStyle/>
-          <a:p>
-            <a:r>
-              <a:rPr lang="pt-BR" dirty="0"/>
-              <a:t>Demonstração</a:t>
-            </a:r>
-            <a:endParaRPr lang="en-US" dirty="0"/>
-          </a:p>
-        </p:txBody>
-      </p:sp>
-      <mc:AlternateContent xmlns:mc="http://schemas.openxmlformats.org/markup-compatibility/2006">
-        <mc:Choice xmlns:a14="http://schemas.microsoft.com/office/drawing/2010/main" Requires="a14">
-          <p:sp>
-            <p:nvSpPr>
-              <p:cNvPr id="3" name="Content Placeholder 2">
-                <a:extLst>
-                  <a:ext uri="{FF2B5EF4-FFF2-40B4-BE49-F238E27FC236}">
-                    <a16:creationId xmlns:a16="http://schemas.microsoft.com/office/drawing/2014/main" id="{4954E023-ED5C-4800-BC70-5394C2F3503B}"/>
-                  </a:ext>
-                </a:extLst>
-              </p:cNvPr>
-              <p:cNvSpPr>
-                <a:spLocks noGrp="1"/>
-              </p:cNvSpPr>
-              <p:nvPr>
-                <p:ph idx="1"/>
-              </p:nvPr>
-            </p:nvSpPr>
-            <p:spPr>
-              <a:xfrm>
-                <a:off x="1024128" y="2268474"/>
-                <a:ext cx="9720073" cy="4023360"/>
-              </a:xfrm>
-            </p:spPr>
-            <p:txBody>
-              <a:bodyPr>
-                <a:normAutofit fontScale="92500"/>
-              </a:bodyPr>
-              <a:lstStyle/>
-              <a:p>
-                <a14:m>
-                  <m:oMath xmlns:m="http://schemas.openxmlformats.org/officeDocument/2006/math">
-                    <m:r>
-                      <a:rPr lang="en-US" b="0" i="1" smtClean="0">
-                        <a:latin typeface="Cambria Math" panose="02040503050406030204" pitchFamily="18" charset="0"/>
-                      </a:rPr>
-                      <m:t>𝑋</m:t>
-                    </m:r>
-                    <m:r>
-                      <a:rPr lang="en-US" b="0" i="1" smtClean="0">
-                        <a:latin typeface="Cambria Math" panose="02040503050406030204" pitchFamily="18" charset="0"/>
-                      </a:rPr>
-                      <m:t>~</m:t>
-                    </m:r>
-                    <m:r>
-                      <a:rPr lang="en-US" b="0" i="1" smtClean="0">
-                        <a:latin typeface="Cambria Math" panose="02040503050406030204" pitchFamily="18" charset="0"/>
-                      </a:rPr>
-                      <m:t>𝐵𝑖𝑛</m:t>
-                    </m:r>
-                    <m:d>
-                      <m:dPr>
-                        <m:ctrlPr>
-                          <a:rPr lang="en-US" b="0" i="1" smtClean="0">
-                            <a:latin typeface="Cambria Math" panose="02040503050406030204" pitchFamily="18" charset="0"/>
-                          </a:rPr>
-                        </m:ctrlPr>
-                      </m:dPr>
-                      <m:e>
-                        <m:r>
-                          <a:rPr lang="en-US" b="0" i="1" smtClean="0">
-                            <a:latin typeface="Cambria Math" panose="02040503050406030204" pitchFamily="18" charset="0"/>
-                          </a:rPr>
-                          <m:t>𝑛</m:t>
-                        </m:r>
-                        <m:r>
-                          <a:rPr lang="en-US" b="0" i="1" smtClean="0">
-                            <a:latin typeface="Cambria Math" panose="02040503050406030204" pitchFamily="18" charset="0"/>
-                          </a:rPr>
-                          <m:t>;</m:t>
-                        </m:r>
-                        <m:r>
-                          <a:rPr lang="en-US" b="0" i="1" smtClean="0">
-                            <a:latin typeface="Cambria Math" panose="02040503050406030204" pitchFamily="18" charset="0"/>
-                          </a:rPr>
-                          <m:t>𝑝</m:t>
-                        </m:r>
-                      </m:e>
-                    </m:d>
-                  </m:oMath>
-                </a14:m>
-                <a:br>
-                  <a:rPr lang="en-US" b="0" dirty="0"/>
-                </a:br>
-                <a14:m>
-                  <m:oMath xmlns:m="http://schemas.openxmlformats.org/officeDocument/2006/math">
-                    <m:r>
-                      <a:rPr lang="en-US" b="0" i="1" smtClean="0">
-                        <a:latin typeface="Cambria Math" panose="02040503050406030204" pitchFamily="18" charset="0"/>
-                      </a:rPr>
-                      <m:t>𝑃</m:t>
-                    </m:r>
-                    <m:d>
-                      <m:dPr>
-                        <m:ctrlPr>
-                          <a:rPr lang="en-US" b="0" i="1" smtClean="0">
-                            <a:latin typeface="Cambria Math" panose="02040503050406030204" pitchFamily="18" charset="0"/>
-                          </a:rPr>
-                        </m:ctrlPr>
-                      </m:dPr>
-                      <m:e>
-                        <m:r>
-                          <a:rPr lang="en-US" b="0" i="1" smtClean="0">
-                            <a:latin typeface="Cambria Math" panose="02040503050406030204" pitchFamily="18" charset="0"/>
-                          </a:rPr>
-                          <m:t>𝑋</m:t>
-                        </m:r>
-                        <m:r>
-                          <a:rPr lang="en-US" b="0" i="1" smtClean="0">
-                            <a:latin typeface="Cambria Math" panose="02040503050406030204" pitchFamily="18" charset="0"/>
-                          </a:rPr>
-                          <m:t>=</m:t>
-                        </m:r>
-                        <m:r>
-                          <a:rPr lang="en-US" b="0" i="1" smtClean="0">
-                            <a:latin typeface="Cambria Math" panose="02040503050406030204" pitchFamily="18" charset="0"/>
-                          </a:rPr>
-                          <m:t>𝑥</m:t>
-                        </m:r>
-                      </m:e>
-                    </m:d>
-                    <m:r>
-                      <a:rPr lang="en-US" b="0" i="1" smtClean="0">
-                        <a:latin typeface="Cambria Math" panose="02040503050406030204" pitchFamily="18" charset="0"/>
-                      </a:rPr>
-                      <m:t>=</m:t>
-                    </m:r>
-                    <m:d>
-                      <m:dPr>
-                        <m:ctrlPr>
-                          <a:rPr lang="en-US" b="0" i="1" smtClean="0">
-                            <a:latin typeface="Cambria Math" panose="02040503050406030204" pitchFamily="18" charset="0"/>
-                          </a:rPr>
-                        </m:ctrlPr>
-                      </m:dPr>
-                      <m:e>
-                        <m:eqArr>
-                          <m:eqArrPr>
-                            <m:ctrlPr>
-                              <a:rPr lang="en-US" b="0" i="1" smtClean="0">
-                                <a:latin typeface="Cambria Math" panose="02040503050406030204" pitchFamily="18" charset="0"/>
-                              </a:rPr>
-                            </m:ctrlPr>
-                          </m:eqArrPr>
-                          <m:e>
-                            <m:r>
-                              <a:rPr lang="en-US" b="0" i="1" smtClean="0">
-                                <a:latin typeface="Cambria Math" panose="02040503050406030204" pitchFamily="18" charset="0"/>
-                              </a:rPr>
-                              <m:t>𝑛</m:t>
-                            </m:r>
-                          </m:e>
-                          <m:e>
-                            <m:r>
-                              <a:rPr lang="en-US" b="0" i="1" smtClean="0">
-                                <a:latin typeface="Cambria Math" panose="02040503050406030204" pitchFamily="18" charset="0"/>
-                              </a:rPr>
-                              <m:t>𝑥</m:t>
-                            </m:r>
-                          </m:e>
-                        </m:eqArr>
-                      </m:e>
-                    </m:d>
-                    <m:sSup>
-                      <m:sSupPr>
-                        <m:ctrlPr>
-                          <a:rPr lang="en-US" b="0" i="1" smtClean="0">
-                            <a:latin typeface="Cambria Math" panose="02040503050406030204" pitchFamily="18" charset="0"/>
-                          </a:rPr>
-                        </m:ctrlPr>
-                      </m:sSupPr>
-                      <m:e>
-                        <m:r>
-                          <a:rPr lang="en-US" b="0" i="1" smtClean="0">
-                            <a:latin typeface="Cambria Math" panose="02040503050406030204" pitchFamily="18" charset="0"/>
-                          </a:rPr>
-                          <m:t>𝑝</m:t>
-                        </m:r>
-                      </m:e>
-                      <m:sup>
-                        <m:r>
-                          <a:rPr lang="en-US" b="0" i="1" smtClean="0">
-                            <a:latin typeface="Cambria Math" panose="02040503050406030204" pitchFamily="18" charset="0"/>
-                          </a:rPr>
-                          <m:t>𝑥</m:t>
-                        </m:r>
-                      </m:sup>
-                    </m:sSup>
-                    <m:sSup>
-                      <m:sSupPr>
-                        <m:ctrlPr>
-                          <a:rPr lang="en-US" b="0" i="1" smtClean="0">
-                            <a:latin typeface="Cambria Math" panose="02040503050406030204" pitchFamily="18" charset="0"/>
-                          </a:rPr>
-                        </m:ctrlPr>
-                      </m:sSupPr>
-                      <m:e>
-                        <m:d>
-                          <m:dPr>
-                            <m:ctrlPr>
-                              <a:rPr lang="en-US" b="0" i="1" smtClean="0">
-                                <a:latin typeface="Cambria Math" panose="02040503050406030204" pitchFamily="18" charset="0"/>
-                              </a:rPr>
-                            </m:ctrlPr>
-                          </m:dPr>
-                          <m:e>
-                            <m:r>
-                              <a:rPr lang="en-US" b="0" i="1" smtClean="0">
-                                <a:latin typeface="Cambria Math" panose="02040503050406030204" pitchFamily="18" charset="0"/>
-                              </a:rPr>
-                              <m:t>1−</m:t>
-                            </m:r>
-                            <m:r>
-                              <a:rPr lang="en-US" b="0" i="1" smtClean="0">
-                                <a:latin typeface="Cambria Math" panose="02040503050406030204" pitchFamily="18" charset="0"/>
-                              </a:rPr>
-                              <m:t>𝑝</m:t>
-                            </m:r>
-                          </m:e>
-                        </m:d>
-                      </m:e>
-                      <m:sup>
-                        <m:r>
-                          <a:rPr lang="en-US" b="0" i="1" smtClean="0">
-                            <a:latin typeface="Cambria Math" panose="02040503050406030204" pitchFamily="18" charset="0"/>
-                          </a:rPr>
-                          <m:t>𝑛</m:t>
-                        </m:r>
-                        <m:r>
-                          <a:rPr lang="en-US" b="0" i="1" smtClean="0">
-                            <a:latin typeface="Cambria Math" panose="02040503050406030204" pitchFamily="18" charset="0"/>
-                          </a:rPr>
-                          <m:t>−</m:t>
-                        </m:r>
-                        <m:r>
-                          <a:rPr lang="en-US" b="0" i="1" smtClean="0">
-                            <a:latin typeface="Cambria Math" panose="02040503050406030204" pitchFamily="18" charset="0"/>
-                          </a:rPr>
-                          <m:t>𝑥</m:t>
-                        </m:r>
-                      </m:sup>
-                    </m:sSup>
-                    <m:r>
-                      <a:rPr lang="en-US" b="0" i="1" smtClean="0">
-                        <a:latin typeface="Cambria Math" panose="02040503050406030204" pitchFamily="18" charset="0"/>
-                      </a:rPr>
-                      <m:t>=</m:t>
-                    </m:r>
-                    <m:f>
-                      <m:fPr>
-                        <m:ctrlPr>
-                          <a:rPr lang="en-US" b="0" i="1" smtClean="0">
-                            <a:latin typeface="Cambria Math" panose="02040503050406030204" pitchFamily="18" charset="0"/>
-                          </a:rPr>
-                        </m:ctrlPr>
-                      </m:fPr>
-                      <m:num>
-                        <m:r>
-                          <a:rPr lang="en-US" b="0" i="1" smtClean="0">
-                            <a:latin typeface="Cambria Math" panose="02040503050406030204" pitchFamily="18" charset="0"/>
-                          </a:rPr>
-                          <m:t>𝑛</m:t>
-                        </m:r>
-                        <m:r>
-                          <a:rPr lang="en-US" b="0" i="1" smtClean="0">
-                            <a:latin typeface="Cambria Math" panose="02040503050406030204" pitchFamily="18" charset="0"/>
-                          </a:rPr>
-                          <m:t>!</m:t>
-                        </m:r>
-                      </m:num>
-                      <m:den>
-                        <m:r>
-                          <a:rPr lang="en-US" b="0" i="1" smtClean="0">
-                            <a:latin typeface="Cambria Math" panose="02040503050406030204" pitchFamily="18" charset="0"/>
-                          </a:rPr>
-                          <m:t>𝑥</m:t>
-                        </m:r>
-                        <m:r>
-                          <a:rPr lang="en-US" b="0" i="1" smtClean="0">
-                            <a:latin typeface="Cambria Math" panose="02040503050406030204" pitchFamily="18" charset="0"/>
-                          </a:rPr>
-                          <m:t>!</m:t>
-                        </m:r>
-                        <m:d>
-                          <m:dPr>
-                            <m:ctrlPr>
-                              <a:rPr lang="en-US" b="0" i="1" smtClean="0">
-                                <a:latin typeface="Cambria Math" panose="02040503050406030204" pitchFamily="18" charset="0"/>
-                              </a:rPr>
-                            </m:ctrlPr>
-                          </m:dPr>
-                          <m:e>
-                            <m:r>
-                              <a:rPr lang="en-US" b="0" i="1" smtClean="0">
-                                <a:latin typeface="Cambria Math" panose="02040503050406030204" pitchFamily="18" charset="0"/>
-                              </a:rPr>
-                              <m:t>𝑛</m:t>
-                            </m:r>
-                            <m:r>
-                              <a:rPr lang="en-US" b="0" i="1" smtClean="0">
-                                <a:latin typeface="Cambria Math" panose="02040503050406030204" pitchFamily="18" charset="0"/>
-                              </a:rPr>
-                              <m:t>−</m:t>
-                            </m:r>
-                            <m:r>
-                              <a:rPr lang="en-US" b="0" i="1" smtClean="0">
-                                <a:latin typeface="Cambria Math" panose="02040503050406030204" pitchFamily="18" charset="0"/>
-                              </a:rPr>
-                              <m:t>𝑥</m:t>
-                            </m:r>
-                          </m:e>
-                        </m:d>
-                        <m:r>
-                          <a:rPr lang="en-US" b="0" i="1" smtClean="0">
-                            <a:latin typeface="Cambria Math" panose="02040503050406030204" pitchFamily="18" charset="0"/>
-                          </a:rPr>
-                          <m:t>!</m:t>
-                        </m:r>
-                      </m:den>
-                    </m:f>
-                    <m:sSup>
-                      <m:sSupPr>
-                        <m:ctrlPr>
-                          <a:rPr lang="en-US" b="0" i="1" smtClean="0">
-                            <a:latin typeface="Cambria Math" panose="02040503050406030204" pitchFamily="18" charset="0"/>
-                          </a:rPr>
-                        </m:ctrlPr>
-                      </m:sSupPr>
-                      <m:e>
-                        <m:d>
-                          <m:dPr>
-                            <m:ctrlPr>
-                              <a:rPr lang="en-US" b="0" i="1" smtClean="0">
-                                <a:latin typeface="Cambria Math" panose="02040503050406030204" pitchFamily="18" charset="0"/>
-                              </a:rPr>
-                            </m:ctrlPr>
-                          </m:dPr>
-                          <m:e>
-                            <m:f>
-                              <m:fPr>
-                                <m:ctrlPr>
-                                  <a:rPr lang="en-US" b="0" i="1" smtClean="0">
-                                    <a:latin typeface="Cambria Math" panose="02040503050406030204" pitchFamily="18" charset="0"/>
-                                  </a:rPr>
-                                </m:ctrlPr>
-                              </m:fPr>
-                              <m:num>
-                                <m:r>
-                                  <a:rPr lang="en-US" b="0" i="1" smtClean="0">
-                                    <a:latin typeface="Cambria Math" panose="02040503050406030204" pitchFamily="18" charset="0"/>
-                                  </a:rPr>
-                                  <m:t>𝛼</m:t>
-                                </m:r>
-                              </m:num>
-                              <m:den>
-                                <m:r>
-                                  <a:rPr lang="en-US" b="0" i="1" smtClean="0">
-                                    <a:latin typeface="Cambria Math" panose="02040503050406030204" pitchFamily="18" charset="0"/>
-                                  </a:rPr>
-                                  <m:t>𝑛</m:t>
-                                </m:r>
-                              </m:den>
-                            </m:f>
-                          </m:e>
-                        </m:d>
-                      </m:e>
-                      <m:sup>
-                        <m:r>
-                          <a:rPr lang="en-US" b="0" i="1" smtClean="0">
-                            <a:latin typeface="Cambria Math" panose="02040503050406030204" pitchFamily="18" charset="0"/>
-                          </a:rPr>
-                          <m:t>𝑥</m:t>
-                        </m:r>
-                      </m:sup>
-                    </m:sSup>
-                    <m:sSup>
-                      <m:sSupPr>
-                        <m:ctrlPr>
-                          <a:rPr lang="en-US" b="0" i="1" smtClean="0">
-                            <a:latin typeface="Cambria Math" panose="02040503050406030204" pitchFamily="18" charset="0"/>
-                          </a:rPr>
-                        </m:ctrlPr>
-                      </m:sSupPr>
-                      <m:e>
-                        <m:d>
-                          <m:dPr>
-                            <m:ctrlPr>
-                              <a:rPr lang="en-US" b="0" i="1" smtClean="0">
-                                <a:latin typeface="Cambria Math" panose="02040503050406030204" pitchFamily="18" charset="0"/>
-                              </a:rPr>
-                            </m:ctrlPr>
-                          </m:dPr>
-                          <m:e>
-                            <m:r>
-                              <a:rPr lang="en-US" b="0" i="1" smtClean="0">
-                                <a:latin typeface="Cambria Math" panose="02040503050406030204" pitchFamily="18" charset="0"/>
-                              </a:rPr>
-                              <m:t>1−</m:t>
-                            </m:r>
-                            <m:f>
-                              <m:fPr>
-                                <m:ctrlPr>
-                                  <a:rPr lang="en-US" b="0" i="1" smtClean="0">
-                                    <a:latin typeface="Cambria Math" panose="02040503050406030204" pitchFamily="18" charset="0"/>
-                                  </a:rPr>
-                                </m:ctrlPr>
-                              </m:fPr>
-                              <m:num>
-                                <m:r>
-                                  <a:rPr lang="en-US" b="0" i="1" smtClean="0">
-                                    <a:latin typeface="Cambria Math" panose="02040503050406030204" pitchFamily="18" charset="0"/>
-                                  </a:rPr>
-                                  <m:t>𝛼</m:t>
-                                </m:r>
-                              </m:num>
-                              <m:den>
-                                <m:r>
-                                  <a:rPr lang="en-US" b="0" i="1" smtClean="0">
-                                    <a:latin typeface="Cambria Math" panose="02040503050406030204" pitchFamily="18" charset="0"/>
-                                  </a:rPr>
-                                  <m:t>𝑛</m:t>
-                                </m:r>
-                              </m:den>
-                            </m:f>
-                          </m:e>
-                        </m:d>
-                      </m:e>
-                      <m:sup>
-                        <m:r>
-                          <a:rPr lang="en-US" b="0" i="1" smtClean="0">
-                            <a:latin typeface="Cambria Math" panose="02040503050406030204" pitchFamily="18" charset="0"/>
-                          </a:rPr>
-                          <m:t>𝑛</m:t>
-                        </m:r>
-                        <m:r>
-                          <a:rPr lang="en-US" b="0" i="1" smtClean="0">
-                            <a:latin typeface="Cambria Math" panose="02040503050406030204" pitchFamily="18" charset="0"/>
-                          </a:rPr>
-                          <m:t>−</m:t>
-                        </m:r>
-                        <m:r>
-                          <a:rPr lang="en-US" b="0" i="1" smtClean="0">
-                            <a:latin typeface="Cambria Math" panose="02040503050406030204" pitchFamily="18" charset="0"/>
-                          </a:rPr>
-                          <m:t>𝑥</m:t>
-                        </m:r>
-                      </m:sup>
-                    </m:sSup>
-                    <m:r>
-                      <a:rPr lang="en-US" b="0" i="1" smtClean="0">
-                        <a:latin typeface="Cambria Math" panose="02040503050406030204" pitchFamily="18" charset="0"/>
-                      </a:rPr>
-                      <m:t>=</m:t>
-                    </m:r>
-                    <m:f>
-                      <m:fPr>
-                        <m:ctrlPr>
-                          <a:rPr lang="en-US" b="0" i="1" smtClean="0">
-                            <a:latin typeface="Cambria Math" panose="02040503050406030204" pitchFamily="18" charset="0"/>
-                          </a:rPr>
-                        </m:ctrlPr>
-                      </m:fPr>
-                      <m:num>
-                        <m:r>
-                          <a:rPr lang="en-US" b="0" i="1" smtClean="0">
-                            <a:latin typeface="Cambria Math" panose="02040503050406030204" pitchFamily="18" charset="0"/>
-                          </a:rPr>
-                          <m:t>1</m:t>
-                        </m:r>
-                      </m:num>
-                      <m:den>
-                        <m:r>
-                          <a:rPr lang="en-US" b="0" i="1" smtClean="0">
-                            <a:latin typeface="Cambria Math" panose="02040503050406030204" pitchFamily="18" charset="0"/>
-                          </a:rPr>
-                          <m:t>𝑥</m:t>
-                        </m:r>
-                        <m:r>
-                          <a:rPr lang="en-US" b="0" i="1" smtClean="0">
-                            <a:latin typeface="Cambria Math" panose="02040503050406030204" pitchFamily="18" charset="0"/>
-                          </a:rPr>
-                          <m:t>!</m:t>
-                        </m:r>
-                      </m:den>
-                    </m:f>
-                    <m:f>
-                      <m:fPr>
-                        <m:ctrlPr>
-                          <a:rPr lang="en-US" b="0" i="1" smtClean="0">
-                            <a:latin typeface="Cambria Math" panose="02040503050406030204" pitchFamily="18" charset="0"/>
-                          </a:rPr>
-                        </m:ctrlPr>
-                      </m:fPr>
-                      <m:num>
-                        <m:r>
-                          <a:rPr lang="en-US" b="0" i="1" smtClean="0">
-                            <a:latin typeface="Cambria Math" panose="02040503050406030204" pitchFamily="18" charset="0"/>
-                          </a:rPr>
-                          <m:t>𝑛</m:t>
-                        </m:r>
-                        <m:r>
-                          <a:rPr lang="en-US" b="0" i="1" smtClean="0">
-                            <a:latin typeface="Cambria Math" panose="02040503050406030204" pitchFamily="18" charset="0"/>
-                          </a:rPr>
-                          <m:t>!</m:t>
-                        </m:r>
-                      </m:num>
-                      <m:den>
-                        <m:sSup>
-                          <m:sSupPr>
-                            <m:ctrlPr>
-                              <a:rPr lang="en-US" b="0" i="1" smtClean="0">
-                                <a:latin typeface="Cambria Math" panose="02040503050406030204" pitchFamily="18" charset="0"/>
-                              </a:rPr>
-                            </m:ctrlPr>
-                          </m:sSupPr>
-                          <m:e>
-                            <m:r>
-                              <a:rPr lang="en-US" b="0" i="1" smtClean="0">
-                                <a:latin typeface="Cambria Math" panose="02040503050406030204" pitchFamily="18" charset="0"/>
-                              </a:rPr>
-                              <m:t>𝑛</m:t>
-                            </m:r>
-                          </m:e>
-                          <m:sup>
-                            <m:r>
-                              <a:rPr lang="en-US" b="0" i="1" smtClean="0">
-                                <a:latin typeface="Cambria Math" panose="02040503050406030204" pitchFamily="18" charset="0"/>
-                              </a:rPr>
-                              <m:t>𝑥</m:t>
-                            </m:r>
-                          </m:sup>
-                        </m:sSup>
-                        <m:d>
-                          <m:dPr>
-                            <m:ctrlPr>
-                              <a:rPr lang="en-US" b="0" i="1" smtClean="0">
-                                <a:latin typeface="Cambria Math" panose="02040503050406030204" pitchFamily="18" charset="0"/>
-                              </a:rPr>
-                            </m:ctrlPr>
-                          </m:dPr>
-                          <m:e>
-                            <m:r>
-                              <a:rPr lang="en-US" b="0" i="1" smtClean="0">
-                                <a:latin typeface="Cambria Math" panose="02040503050406030204" pitchFamily="18" charset="0"/>
-                              </a:rPr>
-                              <m:t>𝑛</m:t>
-                            </m:r>
-                            <m:r>
-                              <a:rPr lang="en-US" b="0" i="1" smtClean="0">
-                                <a:latin typeface="Cambria Math" panose="02040503050406030204" pitchFamily="18" charset="0"/>
-                              </a:rPr>
-                              <m:t>−</m:t>
-                            </m:r>
-                            <m:r>
-                              <a:rPr lang="en-US" b="0" i="1" smtClean="0">
-                                <a:latin typeface="Cambria Math" panose="02040503050406030204" pitchFamily="18" charset="0"/>
-                              </a:rPr>
-                              <m:t>𝑥</m:t>
-                            </m:r>
-                          </m:e>
-                        </m:d>
-                        <m:r>
-                          <a:rPr lang="en-US" b="0" i="1" smtClean="0">
-                            <a:latin typeface="Cambria Math" panose="02040503050406030204" pitchFamily="18" charset="0"/>
-                          </a:rPr>
-                          <m:t>!</m:t>
-                        </m:r>
-                      </m:den>
-                    </m:f>
-                    <m:sSup>
-                      <m:sSupPr>
-                        <m:ctrlPr>
-                          <a:rPr lang="en-US" b="0" i="1" smtClean="0">
-                            <a:latin typeface="Cambria Math" panose="02040503050406030204" pitchFamily="18" charset="0"/>
-                          </a:rPr>
-                        </m:ctrlPr>
-                      </m:sSupPr>
-                      <m:e>
-                        <m:r>
-                          <a:rPr lang="en-US" b="0" i="1" smtClean="0">
-                            <a:latin typeface="Cambria Math" panose="02040503050406030204" pitchFamily="18" charset="0"/>
-                          </a:rPr>
-                          <m:t>𝛼</m:t>
-                        </m:r>
-                      </m:e>
-                      <m:sup>
-                        <m:r>
-                          <a:rPr lang="en-US" b="0" i="1" smtClean="0">
-                            <a:latin typeface="Cambria Math" panose="02040503050406030204" pitchFamily="18" charset="0"/>
-                          </a:rPr>
-                          <m:t>𝑥</m:t>
-                        </m:r>
-                      </m:sup>
-                    </m:sSup>
-                    <m:sSup>
-                      <m:sSupPr>
-                        <m:ctrlPr>
-                          <a:rPr lang="en-US" i="1">
-                            <a:latin typeface="Cambria Math" panose="02040503050406030204" pitchFamily="18" charset="0"/>
-                          </a:rPr>
-                        </m:ctrlPr>
-                      </m:sSupPr>
-                      <m:e>
-                        <m:d>
-                          <m:dPr>
-                            <m:ctrlPr>
-                              <a:rPr lang="en-US" i="1">
-                                <a:latin typeface="Cambria Math" panose="02040503050406030204" pitchFamily="18" charset="0"/>
-                              </a:rPr>
-                            </m:ctrlPr>
-                          </m:dPr>
-                          <m:e>
-                            <m:r>
-                              <a:rPr lang="en-US" i="1">
-                                <a:latin typeface="Cambria Math" panose="02040503050406030204" pitchFamily="18" charset="0"/>
-                              </a:rPr>
-                              <m:t>1−</m:t>
-                            </m:r>
-                            <m:f>
-                              <m:fPr>
-                                <m:ctrlPr>
-                                  <a:rPr lang="en-US" i="1">
-                                    <a:latin typeface="Cambria Math" panose="02040503050406030204" pitchFamily="18" charset="0"/>
-                                  </a:rPr>
-                                </m:ctrlPr>
-                              </m:fPr>
-                              <m:num>
-                                <m:r>
-                                  <a:rPr lang="en-US" i="1">
-                                    <a:latin typeface="Cambria Math" panose="02040503050406030204" pitchFamily="18" charset="0"/>
-                                  </a:rPr>
-                                  <m:t>𝛼</m:t>
-                                </m:r>
-                              </m:num>
-                              <m:den>
-                                <m:r>
-                                  <a:rPr lang="en-US" i="1">
-                                    <a:latin typeface="Cambria Math" panose="02040503050406030204" pitchFamily="18" charset="0"/>
-                                  </a:rPr>
-                                  <m:t>𝑛</m:t>
-                                </m:r>
-                              </m:den>
-                            </m:f>
-                          </m:e>
-                        </m:d>
-                      </m:e>
-                      <m:sup>
-                        <m:r>
-                          <a:rPr lang="en-US" i="1">
-                            <a:latin typeface="Cambria Math" panose="02040503050406030204" pitchFamily="18" charset="0"/>
-                          </a:rPr>
-                          <m:t>𝑛</m:t>
-                        </m:r>
-                        <m:r>
-                          <a:rPr lang="en-US" i="1">
-                            <a:latin typeface="Cambria Math" panose="02040503050406030204" pitchFamily="18" charset="0"/>
-                          </a:rPr>
-                          <m:t>−</m:t>
-                        </m:r>
-                        <m:r>
-                          <a:rPr lang="en-US" i="1">
-                            <a:latin typeface="Cambria Math" panose="02040503050406030204" pitchFamily="18" charset="0"/>
-                          </a:rPr>
-                          <m:t>𝑥</m:t>
-                        </m:r>
-                      </m:sup>
-                    </m:sSup>
-                  </m:oMath>
-                </a14:m>
-                <a:endParaRPr lang="en-US" b="0" dirty="0"/>
-              </a:p>
-              <a:p>
-                <a:r>
-                  <a:rPr lang="en-US" b="0" dirty="0" err="1"/>
-                  <a:t>Quando</a:t>
-                </a:r>
-                <a:r>
-                  <a:rPr lang="en-US" b="0" dirty="0"/>
-                  <a:t> </a:t>
-                </a:r>
-                <a14:m>
-                  <m:oMath xmlns:m="http://schemas.openxmlformats.org/officeDocument/2006/math">
-                    <m:r>
-                      <a:rPr lang="en-US" b="0" i="1" smtClean="0">
-                        <a:latin typeface="Cambria Math" panose="02040503050406030204" pitchFamily="18" charset="0"/>
-                      </a:rPr>
-                      <m:t>𝑛</m:t>
-                    </m:r>
-                    <m:r>
-                      <a:rPr lang="en-US" b="0" i="1" smtClean="0">
-                        <a:latin typeface="Cambria Math" panose="02040503050406030204" pitchFamily="18" charset="0"/>
-                      </a:rPr>
-                      <m:t>→+∞:</m:t>
-                    </m:r>
-                  </m:oMath>
-                </a14:m>
-                <a:endParaRPr lang="en-US" b="0" dirty="0"/>
-              </a:p>
-              <a:p>
-                <a14:m>
-                  <m:oMath xmlns:m="http://schemas.openxmlformats.org/officeDocument/2006/math">
-                    <m:sSup>
-                      <m:sSupPr>
-                        <m:ctrlPr>
-                          <a:rPr lang="en-US" b="0" i="1" smtClean="0">
-                            <a:latin typeface="Cambria Math" panose="02040503050406030204" pitchFamily="18" charset="0"/>
-                          </a:rPr>
-                        </m:ctrlPr>
-                      </m:sSupPr>
-                      <m:e>
-                        <m:d>
-                          <m:dPr>
-                            <m:ctrlPr>
-                              <a:rPr lang="en-US" b="0" i="1" smtClean="0">
-                                <a:latin typeface="Cambria Math" panose="02040503050406030204" pitchFamily="18" charset="0"/>
-                              </a:rPr>
-                            </m:ctrlPr>
-                          </m:dPr>
-                          <m:e>
-                            <m:r>
-                              <a:rPr lang="en-US" b="0" i="1" smtClean="0">
-                                <a:latin typeface="Cambria Math" panose="02040503050406030204" pitchFamily="18" charset="0"/>
-                              </a:rPr>
-                              <m:t>1−</m:t>
-                            </m:r>
-                            <m:f>
-                              <m:fPr>
-                                <m:ctrlPr>
-                                  <a:rPr lang="en-US" b="0" i="1" smtClean="0">
-                                    <a:latin typeface="Cambria Math" panose="02040503050406030204" pitchFamily="18" charset="0"/>
-                                  </a:rPr>
-                                </m:ctrlPr>
-                              </m:fPr>
-                              <m:num>
-                                <m:r>
-                                  <a:rPr lang="en-US" b="0" i="1" smtClean="0">
-                                    <a:latin typeface="Cambria Math" panose="02040503050406030204" pitchFamily="18" charset="0"/>
-                                  </a:rPr>
-                                  <m:t>𝛼</m:t>
-                                </m:r>
-                              </m:num>
-                              <m:den>
-                                <m:r>
-                                  <a:rPr lang="en-US" b="0" i="1" smtClean="0">
-                                    <a:latin typeface="Cambria Math" panose="02040503050406030204" pitchFamily="18" charset="0"/>
-                                  </a:rPr>
-                                  <m:t>𝑛</m:t>
-                                </m:r>
-                              </m:den>
-                            </m:f>
-                          </m:e>
-                        </m:d>
-                      </m:e>
-                      <m:sup>
-                        <m:r>
-                          <a:rPr lang="en-US" b="0" i="1" smtClean="0">
-                            <a:latin typeface="Cambria Math" panose="02040503050406030204" pitchFamily="18" charset="0"/>
-                          </a:rPr>
-                          <m:t>𝑛</m:t>
-                        </m:r>
-                        <m:r>
-                          <a:rPr lang="en-US" b="0" i="1" smtClean="0">
-                            <a:latin typeface="Cambria Math" panose="02040503050406030204" pitchFamily="18" charset="0"/>
-                          </a:rPr>
-                          <m:t>−</m:t>
-                        </m:r>
-                        <m:r>
-                          <a:rPr lang="en-US" b="0" i="1" smtClean="0">
-                            <a:latin typeface="Cambria Math" panose="02040503050406030204" pitchFamily="18" charset="0"/>
-                          </a:rPr>
-                          <m:t>𝑥</m:t>
-                        </m:r>
-                      </m:sup>
-                    </m:sSup>
-                    <m:r>
-                      <a:rPr lang="en-US" b="0" i="1" smtClean="0">
-                        <a:latin typeface="Cambria Math" panose="02040503050406030204" pitchFamily="18" charset="0"/>
-                      </a:rPr>
-                      <m:t>=</m:t>
-                    </m:r>
-                    <m:f>
-                      <m:fPr>
-                        <m:ctrlPr>
-                          <a:rPr lang="en-US" b="0" i="1" smtClean="0">
-                            <a:latin typeface="Cambria Math" panose="02040503050406030204" pitchFamily="18" charset="0"/>
-                          </a:rPr>
-                        </m:ctrlPr>
-                      </m:fPr>
-                      <m:num>
-                        <m:sSup>
-                          <m:sSupPr>
-                            <m:ctrlPr>
-                              <a:rPr lang="en-US" i="1">
-                                <a:latin typeface="Cambria Math" panose="02040503050406030204" pitchFamily="18" charset="0"/>
-                              </a:rPr>
-                            </m:ctrlPr>
-                          </m:sSupPr>
-                          <m:e>
-                            <m:d>
-                              <m:dPr>
-                                <m:ctrlPr>
-                                  <a:rPr lang="en-US" i="1">
-                                    <a:latin typeface="Cambria Math" panose="02040503050406030204" pitchFamily="18" charset="0"/>
-                                  </a:rPr>
-                                </m:ctrlPr>
-                              </m:dPr>
-                              <m:e>
-                                <m:r>
-                                  <a:rPr lang="en-US" i="1">
-                                    <a:latin typeface="Cambria Math" panose="02040503050406030204" pitchFamily="18" charset="0"/>
-                                  </a:rPr>
-                                  <m:t>1−</m:t>
-                                </m:r>
-                                <m:f>
-                                  <m:fPr>
-                                    <m:ctrlPr>
-                                      <a:rPr lang="en-US" i="1">
-                                        <a:latin typeface="Cambria Math" panose="02040503050406030204" pitchFamily="18" charset="0"/>
-                                      </a:rPr>
-                                    </m:ctrlPr>
-                                  </m:fPr>
-                                  <m:num>
-                                    <m:r>
-                                      <a:rPr lang="en-US" i="1">
-                                        <a:latin typeface="Cambria Math" panose="02040503050406030204" pitchFamily="18" charset="0"/>
-                                      </a:rPr>
-                                      <m:t>𝛼</m:t>
-                                    </m:r>
-                                  </m:num>
-                                  <m:den>
-                                    <m:r>
-                                      <a:rPr lang="en-US" i="1">
-                                        <a:latin typeface="Cambria Math" panose="02040503050406030204" pitchFamily="18" charset="0"/>
-                                      </a:rPr>
-                                      <m:t>𝑛</m:t>
-                                    </m:r>
-                                  </m:den>
-                                </m:f>
-                              </m:e>
-                            </m:d>
-                          </m:e>
-                          <m:sup>
-                            <m:r>
-                              <a:rPr lang="en-US" i="1">
-                                <a:latin typeface="Cambria Math" panose="02040503050406030204" pitchFamily="18" charset="0"/>
-                              </a:rPr>
-                              <m:t>𝑛</m:t>
-                            </m:r>
-                          </m:sup>
-                        </m:sSup>
-                      </m:num>
-                      <m:den>
-                        <m:sSup>
-                          <m:sSupPr>
-                            <m:ctrlPr>
-                              <a:rPr lang="en-US" i="1">
-                                <a:latin typeface="Cambria Math" panose="02040503050406030204" pitchFamily="18" charset="0"/>
-                              </a:rPr>
-                            </m:ctrlPr>
-                          </m:sSupPr>
-                          <m:e>
-                            <m:d>
-                              <m:dPr>
-                                <m:ctrlPr>
-                                  <a:rPr lang="en-US" i="1">
-                                    <a:latin typeface="Cambria Math" panose="02040503050406030204" pitchFamily="18" charset="0"/>
-                                  </a:rPr>
-                                </m:ctrlPr>
-                              </m:dPr>
-                              <m:e>
-                                <m:r>
-                                  <a:rPr lang="en-US" i="1">
-                                    <a:latin typeface="Cambria Math" panose="02040503050406030204" pitchFamily="18" charset="0"/>
-                                  </a:rPr>
-                                  <m:t>1−</m:t>
-                                </m:r>
-                                <m:f>
-                                  <m:fPr>
-                                    <m:ctrlPr>
-                                      <a:rPr lang="en-US" i="1">
-                                        <a:latin typeface="Cambria Math" panose="02040503050406030204" pitchFamily="18" charset="0"/>
-                                      </a:rPr>
-                                    </m:ctrlPr>
-                                  </m:fPr>
-                                  <m:num>
-                                    <m:r>
-                                      <a:rPr lang="en-US" i="1">
-                                        <a:latin typeface="Cambria Math" panose="02040503050406030204" pitchFamily="18" charset="0"/>
-                                      </a:rPr>
-                                      <m:t>𝛼</m:t>
-                                    </m:r>
-                                  </m:num>
-                                  <m:den>
-                                    <m:r>
-                                      <a:rPr lang="en-US" i="1">
-                                        <a:latin typeface="Cambria Math" panose="02040503050406030204" pitchFamily="18" charset="0"/>
-                                      </a:rPr>
-                                      <m:t>𝑛</m:t>
-                                    </m:r>
-                                  </m:den>
-                                </m:f>
-                              </m:e>
-                            </m:d>
-                          </m:e>
-                          <m:sup>
-                            <m:r>
-                              <a:rPr lang="en-US" b="0" i="1" smtClean="0">
-                                <a:latin typeface="Cambria Math" panose="02040503050406030204" pitchFamily="18" charset="0"/>
-                              </a:rPr>
-                              <m:t>𝑥</m:t>
-                            </m:r>
-                          </m:sup>
-                        </m:sSup>
-                      </m:den>
-                    </m:f>
-                    <m:r>
-                      <a:rPr lang="en-US" b="0" i="1" smtClean="0">
-                        <a:latin typeface="Cambria Math" panose="02040503050406030204" pitchFamily="18" charset="0"/>
-                      </a:rPr>
-                      <m:t>→</m:t>
-                    </m:r>
-                    <m:sSup>
-                      <m:sSupPr>
-                        <m:ctrlPr>
-                          <a:rPr lang="en-US" b="0" i="1" smtClean="0">
-                            <a:latin typeface="Cambria Math" panose="02040503050406030204" pitchFamily="18" charset="0"/>
-                          </a:rPr>
-                        </m:ctrlPr>
-                      </m:sSupPr>
-                      <m:e>
-                        <m:r>
-                          <a:rPr lang="en-US" b="0" i="1" smtClean="0">
-                            <a:latin typeface="Cambria Math" panose="02040503050406030204" pitchFamily="18" charset="0"/>
-                          </a:rPr>
-                          <m:t>𝑒</m:t>
-                        </m:r>
-                      </m:e>
-                      <m:sup>
-                        <m:r>
-                          <a:rPr lang="en-US" b="0" i="1" smtClean="0">
-                            <a:latin typeface="Cambria Math" panose="02040503050406030204" pitchFamily="18" charset="0"/>
-                          </a:rPr>
-                          <m:t>−</m:t>
-                        </m:r>
-                        <m:r>
-                          <a:rPr lang="en-US" b="0" i="1" smtClean="0">
-                            <a:latin typeface="Cambria Math" panose="02040503050406030204" pitchFamily="18" charset="0"/>
-                          </a:rPr>
-                          <m:t>𝛼</m:t>
-                        </m:r>
-                      </m:sup>
-                    </m:sSup>
-                  </m:oMath>
-                </a14:m>
-                <a:r>
-                  <a:rPr lang="en-US" dirty="0"/>
-                  <a:t> e</a:t>
-                </a:r>
-                <a:r>
-                  <a:rPr lang="en-US" b="0" dirty="0"/>
-                  <a:t> </a:t>
-                </a:r>
-                <a14:m>
-                  <m:oMath xmlns:m="http://schemas.openxmlformats.org/officeDocument/2006/math">
-                    <m:f>
-                      <m:fPr>
-                        <m:ctrlPr>
-                          <a:rPr lang="en-US" b="0" i="1" smtClean="0">
-                            <a:latin typeface="Cambria Math" panose="02040503050406030204" pitchFamily="18" charset="0"/>
-                          </a:rPr>
-                        </m:ctrlPr>
-                      </m:fPr>
-                      <m:num>
-                        <m:r>
-                          <a:rPr lang="en-US" b="0" i="1" smtClean="0">
-                            <a:latin typeface="Cambria Math" panose="02040503050406030204" pitchFamily="18" charset="0"/>
-                          </a:rPr>
-                          <m:t>𝑛</m:t>
-                        </m:r>
-                        <m:r>
-                          <a:rPr lang="en-US" b="0" i="1" smtClean="0">
-                            <a:latin typeface="Cambria Math" panose="02040503050406030204" pitchFamily="18" charset="0"/>
-                          </a:rPr>
-                          <m:t>!</m:t>
-                        </m:r>
-                      </m:num>
-                      <m:den>
-                        <m:sSup>
-                          <m:sSupPr>
-                            <m:ctrlPr>
-                              <a:rPr lang="en-US" b="0" i="1" smtClean="0">
-                                <a:latin typeface="Cambria Math" panose="02040503050406030204" pitchFamily="18" charset="0"/>
-                              </a:rPr>
-                            </m:ctrlPr>
-                          </m:sSupPr>
-                          <m:e>
-                            <m:r>
-                              <a:rPr lang="en-US" b="0" i="1" smtClean="0">
-                                <a:latin typeface="Cambria Math" panose="02040503050406030204" pitchFamily="18" charset="0"/>
-                              </a:rPr>
-                              <m:t>𝑛</m:t>
-                            </m:r>
-                          </m:e>
-                          <m:sup>
-                            <m:r>
-                              <a:rPr lang="en-US" b="0" i="1" smtClean="0">
-                                <a:latin typeface="Cambria Math" panose="02040503050406030204" pitchFamily="18" charset="0"/>
-                              </a:rPr>
-                              <m:t>𝑥</m:t>
-                            </m:r>
-                          </m:sup>
-                        </m:sSup>
-                        <m:d>
-                          <m:dPr>
-                            <m:ctrlPr>
-                              <a:rPr lang="en-US" b="0" i="1" smtClean="0">
-                                <a:latin typeface="Cambria Math" panose="02040503050406030204" pitchFamily="18" charset="0"/>
-                              </a:rPr>
-                            </m:ctrlPr>
-                          </m:dPr>
-                          <m:e>
-                            <m:r>
-                              <a:rPr lang="en-US" b="0" i="1" smtClean="0">
-                                <a:latin typeface="Cambria Math" panose="02040503050406030204" pitchFamily="18" charset="0"/>
-                              </a:rPr>
-                              <m:t>𝑛</m:t>
-                            </m:r>
-                            <m:r>
-                              <a:rPr lang="en-US" b="0" i="1" smtClean="0">
-                                <a:latin typeface="Cambria Math" panose="02040503050406030204" pitchFamily="18" charset="0"/>
-                              </a:rPr>
-                              <m:t>−</m:t>
-                            </m:r>
-                            <m:r>
-                              <a:rPr lang="en-US" b="0" i="1" smtClean="0">
-                                <a:latin typeface="Cambria Math" panose="02040503050406030204" pitchFamily="18" charset="0"/>
-                              </a:rPr>
-                              <m:t>𝑥</m:t>
-                            </m:r>
-                          </m:e>
-                        </m:d>
-                        <m:r>
-                          <a:rPr lang="en-US" b="0" i="1" smtClean="0">
-                            <a:latin typeface="Cambria Math" panose="02040503050406030204" pitchFamily="18" charset="0"/>
-                          </a:rPr>
-                          <m:t>!</m:t>
-                        </m:r>
-                      </m:den>
-                    </m:f>
-                    <m:r>
-                      <a:rPr lang="en-US" b="0" i="1" smtClean="0">
-                        <a:latin typeface="Cambria Math" panose="02040503050406030204" pitchFamily="18" charset="0"/>
-                      </a:rPr>
-                      <m:t>→1</m:t>
-                    </m:r>
-                  </m:oMath>
-                </a14:m>
-                <a:endParaRPr lang="en-US" b="0" dirty="0"/>
-              </a:p>
-              <a:p>
-                <a:r>
-                  <a:rPr lang="en-US" b="0" dirty="0"/>
-                  <a:t>Logo,</a:t>
-                </a:r>
-              </a:p>
-              <a:p>
-                <a14:m>
-                  <m:oMath xmlns:m="http://schemas.openxmlformats.org/officeDocument/2006/math">
-                    <m:r>
-                      <a:rPr lang="en-US" b="0" i="1" smtClean="0">
-                        <a:latin typeface="Cambria Math" panose="02040503050406030204" pitchFamily="18" charset="0"/>
-                      </a:rPr>
-                      <m:t>𝑃</m:t>
-                    </m:r>
-                    <m:d>
-                      <m:dPr>
-                        <m:ctrlPr>
-                          <a:rPr lang="en-US" b="0" i="1" smtClean="0">
-                            <a:latin typeface="Cambria Math" panose="02040503050406030204" pitchFamily="18" charset="0"/>
-                          </a:rPr>
-                        </m:ctrlPr>
-                      </m:dPr>
-                      <m:e>
-                        <m:r>
-                          <a:rPr lang="en-US" b="0" i="1" smtClean="0">
-                            <a:latin typeface="Cambria Math" panose="02040503050406030204" pitchFamily="18" charset="0"/>
-                          </a:rPr>
-                          <m:t>𝑋</m:t>
-                        </m:r>
-                        <m:r>
-                          <a:rPr lang="en-US" b="0" i="1" smtClean="0">
-                            <a:latin typeface="Cambria Math" panose="02040503050406030204" pitchFamily="18" charset="0"/>
-                          </a:rPr>
-                          <m:t>=</m:t>
-                        </m:r>
-                        <m:r>
-                          <a:rPr lang="en-US" b="0" i="1" smtClean="0">
-                            <a:latin typeface="Cambria Math" panose="02040503050406030204" pitchFamily="18" charset="0"/>
-                          </a:rPr>
-                          <m:t>𝑥</m:t>
-                        </m:r>
-                      </m:e>
-                    </m:d>
-                    <m:r>
-                      <a:rPr lang="en-US" b="0" i="1" smtClean="0">
-                        <a:latin typeface="Cambria Math" panose="02040503050406030204" pitchFamily="18" charset="0"/>
-                      </a:rPr>
-                      <m:t>=</m:t>
-                    </m:r>
-                    <m:f>
-                      <m:fPr>
-                        <m:ctrlPr>
-                          <a:rPr lang="en-US" b="0" i="1" smtClean="0">
-                            <a:latin typeface="Cambria Math" panose="02040503050406030204" pitchFamily="18" charset="0"/>
-                          </a:rPr>
-                        </m:ctrlPr>
-                      </m:fPr>
-                      <m:num>
-                        <m:r>
-                          <a:rPr lang="en-US" b="0" i="1" smtClean="0">
-                            <a:latin typeface="Cambria Math" panose="02040503050406030204" pitchFamily="18" charset="0"/>
-                          </a:rPr>
-                          <m:t>1</m:t>
-                        </m:r>
-                      </m:num>
-                      <m:den>
-                        <m:r>
-                          <a:rPr lang="en-US" b="0" i="1" smtClean="0">
-                            <a:latin typeface="Cambria Math" panose="02040503050406030204" pitchFamily="18" charset="0"/>
-                          </a:rPr>
-                          <m:t>𝑥</m:t>
-                        </m:r>
-                        <m:r>
-                          <a:rPr lang="en-US" b="0" i="1" smtClean="0">
-                            <a:latin typeface="Cambria Math" panose="02040503050406030204" pitchFamily="18" charset="0"/>
-                          </a:rPr>
-                          <m:t>!</m:t>
-                        </m:r>
-                      </m:den>
-                    </m:f>
-                    <m:sSup>
-                      <m:sSupPr>
-                        <m:ctrlPr>
-                          <a:rPr lang="en-US" b="0" i="1" smtClean="0">
-                            <a:latin typeface="Cambria Math" panose="02040503050406030204" pitchFamily="18" charset="0"/>
-                          </a:rPr>
-                        </m:ctrlPr>
-                      </m:sSupPr>
-                      <m:e>
-                        <m:r>
-                          <a:rPr lang="en-US" b="0" i="1" smtClean="0">
-                            <a:latin typeface="Cambria Math" panose="02040503050406030204" pitchFamily="18" charset="0"/>
-                          </a:rPr>
-                          <m:t>𝛼</m:t>
-                        </m:r>
-                      </m:e>
-                      <m:sup>
-                        <m:r>
-                          <a:rPr lang="en-US" b="0" i="1" smtClean="0">
-                            <a:latin typeface="Cambria Math" panose="02040503050406030204" pitchFamily="18" charset="0"/>
-                          </a:rPr>
-                          <m:t>𝑥</m:t>
-                        </m:r>
-                      </m:sup>
-                    </m:sSup>
-                    <m:sSup>
-                      <m:sSupPr>
-                        <m:ctrlPr>
-                          <a:rPr lang="en-US" b="0" i="1" smtClean="0">
-                            <a:latin typeface="Cambria Math" panose="02040503050406030204" pitchFamily="18" charset="0"/>
-                          </a:rPr>
-                        </m:ctrlPr>
-                      </m:sSupPr>
-                      <m:e>
-                        <m:r>
-                          <a:rPr lang="en-US" b="0" i="1" smtClean="0">
-                            <a:latin typeface="Cambria Math" panose="02040503050406030204" pitchFamily="18" charset="0"/>
-                          </a:rPr>
-                          <m:t>𝑒</m:t>
-                        </m:r>
-                      </m:e>
-                      <m:sup>
-                        <m:r>
-                          <a:rPr lang="en-US" b="0" i="1" smtClean="0">
-                            <a:latin typeface="Cambria Math" panose="02040503050406030204" pitchFamily="18" charset="0"/>
-                          </a:rPr>
-                          <m:t>−</m:t>
-                        </m:r>
-                        <m:r>
-                          <a:rPr lang="en-US" b="0" i="1" smtClean="0">
-                            <a:latin typeface="Cambria Math" panose="02040503050406030204" pitchFamily="18" charset="0"/>
-                          </a:rPr>
-                          <m:t>𝛼</m:t>
-                        </m:r>
-                      </m:sup>
-                    </m:sSup>
-                    <m:r>
-                      <a:rPr lang="en-US" b="0" i="1" smtClean="0">
-                        <a:latin typeface="Cambria Math" panose="02040503050406030204" pitchFamily="18" charset="0"/>
-                      </a:rPr>
-                      <m:t>=</m:t>
-                    </m:r>
-                    <m:f>
-                      <m:fPr>
-                        <m:ctrlPr>
-                          <a:rPr lang="en-US" b="0" i="1" smtClean="0">
-                            <a:latin typeface="Cambria Math" panose="02040503050406030204" pitchFamily="18" charset="0"/>
-                          </a:rPr>
-                        </m:ctrlPr>
-                      </m:fPr>
-                      <m:num>
-                        <m:sSup>
-                          <m:sSupPr>
-                            <m:ctrlPr>
-                              <a:rPr lang="en-US" b="0" i="1" smtClean="0">
-                                <a:latin typeface="Cambria Math" panose="02040503050406030204" pitchFamily="18" charset="0"/>
-                              </a:rPr>
-                            </m:ctrlPr>
-                          </m:sSupPr>
-                          <m:e>
-                            <m:r>
-                              <a:rPr lang="en-US" b="0" i="1" smtClean="0">
-                                <a:latin typeface="Cambria Math" panose="02040503050406030204" pitchFamily="18" charset="0"/>
-                              </a:rPr>
-                              <m:t>𝑒</m:t>
-                            </m:r>
-                          </m:e>
-                          <m:sup>
-                            <m:r>
-                              <a:rPr lang="en-US" b="0" i="1" smtClean="0">
-                                <a:latin typeface="Cambria Math" panose="02040503050406030204" pitchFamily="18" charset="0"/>
-                              </a:rPr>
-                              <m:t>−</m:t>
-                            </m:r>
-                            <m:r>
-                              <a:rPr lang="en-US" b="0" i="1" smtClean="0">
-                                <a:latin typeface="Cambria Math" panose="02040503050406030204" pitchFamily="18" charset="0"/>
-                              </a:rPr>
-                              <m:t>𝛼</m:t>
-                            </m:r>
-                          </m:sup>
-                        </m:sSup>
-                        <m:sSup>
-                          <m:sSupPr>
-                            <m:ctrlPr>
-                              <a:rPr lang="en-US" b="0" i="1" smtClean="0">
-                                <a:latin typeface="Cambria Math" panose="02040503050406030204" pitchFamily="18" charset="0"/>
-                              </a:rPr>
-                            </m:ctrlPr>
-                          </m:sSupPr>
-                          <m:e>
-                            <m:r>
-                              <a:rPr lang="en-US" b="0" i="1" smtClean="0">
-                                <a:latin typeface="Cambria Math" panose="02040503050406030204" pitchFamily="18" charset="0"/>
-                              </a:rPr>
-                              <m:t>𝛼</m:t>
-                            </m:r>
-                          </m:e>
-                          <m:sup>
-                            <m:r>
-                              <a:rPr lang="en-US" b="0" i="1" smtClean="0">
-                                <a:latin typeface="Cambria Math" panose="02040503050406030204" pitchFamily="18" charset="0"/>
-                              </a:rPr>
-                              <m:t>𝑥</m:t>
-                            </m:r>
-                          </m:sup>
-                        </m:sSup>
-                      </m:num>
-                      <m:den>
-                        <m:r>
-                          <a:rPr lang="en-US" b="0" i="1" smtClean="0">
-                            <a:latin typeface="Cambria Math" panose="02040503050406030204" pitchFamily="18" charset="0"/>
-                          </a:rPr>
-                          <m:t>𝑥</m:t>
-                        </m:r>
-                        <m:r>
-                          <a:rPr lang="en-US" b="0" i="1" smtClean="0">
-                            <a:latin typeface="Cambria Math" panose="02040503050406030204" pitchFamily="18" charset="0"/>
-                          </a:rPr>
-                          <m:t>!</m:t>
-                        </m:r>
-                      </m:den>
-                    </m:f>
-                  </m:oMath>
-                </a14:m>
-                <a:r>
-                  <a:rPr lang="en-US" dirty="0"/>
-                  <a:t>, que </a:t>
-                </a:r>
-                <a:r>
-                  <a:rPr lang="pt-BR" dirty="0"/>
-                  <a:t>é a função de probabilidade da distribuição de Poisson</a:t>
-                </a:r>
-                <a:endParaRPr lang="en-US" dirty="0"/>
-              </a:p>
-            </p:txBody>
-          </p:sp>
-        </mc:Choice>
-        <mc:Fallback>
-          <p:sp>
-            <p:nvSpPr>
-              <p:cNvPr id="3" name="Content Placeholder 2">
-                <a:extLst>
-                  <a:ext uri="{FF2B5EF4-FFF2-40B4-BE49-F238E27FC236}">
-                    <a16:creationId xmlns:a16="http://schemas.microsoft.com/office/drawing/2014/main" id="{4954E023-ED5C-4800-BC70-5394C2F3503B}"/>
-                  </a:ext>
-                </a:extLst>
-              </p:cNvPr>
-              <p:cNvSpPr>
-                <a:spLocks noGrp="1" noRot="1" noChangeAspect="1" noMove="1" noResize="1" noEditPoints="1" noAdjustHandles="1" noChangeArrowheads="1" noChangeShapeType="1" noTextEdit="1"/>
-              </p:cNvSpPr>
-              <p:nvPr>
-                <p:ph idx="1"/>
-              </p:nvPr>
-            </p:nvSpPr>
-            <p:spPr>
-              <a:xfrm>
-                <a:off x="1024128" y="2268474"/>
-                <a:ext cx="9720073" cy="4023360"/>
-              </a:xfrm>
-              <a:blipFill>
-                <a:blip r:embed="rId2"/>
-                <a:stretch>
-                  <a:fillRect l="-1129" t="-1818"/>
-                </a:stretch>
-              </a:blipFill>
-            </p:spPr>
-            <p:txBody>
-              <a:bodyPr/>
-              <a:lstStyle/>
-              <a:p>
-                <a:r>
-                  <a:rPr lang="en-US">
-                    <a:noFill/>
-                  </a:rPr>
-                  <a:t> </a:t>
-                </a:r>
-              </a:p>
-            </p:txBody>
-          </p:sp>
-        </mc:Fallback>
-      </mc:AlternateContent>
-    </p:spTree>
-    <p:extLst>
-      <p:ext uri="{BB962C8B-B14F-4D97-AF65-F5344CB8AC3E}">
-        <p14:creationId xmlns:p14="http://schemas.microsoft.com/office/powerpoint/2010/main" val="1976634199"/>
-      </p:ext>
-    </p:extLst>
-  </p:cSld>
-  <p:clrMapOvr>
-    <a:masterClrMapping/>
-  </p:clrMapOvr>
-</p:sld>
-</file>
-
-<file path=ppt/slides/slide32.xml><?xml version="1.0" encoding="utf-8"?>
-<p:sld xmlns:a="http://schemas.openxmlformats.org/drawingml/2006/main" xmlns:r="http://schemas.openxmlformats.org/officeDocument/2006/relationships" xmlns:p="http://schemas.openxmlformats.org/presentationml/2006/main">
-  <p:cSld>
-    <p:spTree>
-      <p:nvGrpSpPr>
-        <p:cNvPr id="1" name=""/>
-        <p:cNvGrpSpPr/>
-        <p:nvPr/>
-      </p:nvGrpSpPr>
-      <p:grpSpPr>
-        <a:xfrm>
-          <a:off x="0" y="0"/>
-          <a:ext cx="0" cy="0"/>
-          <a:chOff x="0" y="0"/>
-          <a:chExt cx="0" cy="0"/>
-        </a:xfrm>
-      </p:grpSpPr>
-      <p:sp>
-        <p:nvSpPr>
-          <p:cNvPr id="2" name="Title 1">
-            <a:extLst>
-              <a:ext uri="{FF2B5EF4-FFF2-40B4-BE49-F238E27FC236}">
                 <a16:creationId xmlns:a16="http://schemas.microsoft.com/office/drawing/2014/main" id="{633168E7-8594-4500-BDD9-E76EA50D17A6}"/>
               </a:ext>
             </a:extLst>
@@ -33008,7 +31605,7 @@
 </p:sld>
 </file>
 
-<file path=ppt/slides/slide33.xml><?xml version="1.0" encoding="utf-8"?>
+<file path=ppt/slides/slide32.xml><?xml version="1.0" encoding="utf-8"?>
 <p:sld xmlns:a="http://schemas.openxmlformats.org/drawingml/2006/main" xmlns:r="http://schemas.openxmlformats.org/officeDocument/2006/relationships" xmlns:p="http://schemas.openxmlformats.org/presentationml/2006/main">
   <p:cSld>
     <p:spTree>
@@ -33132,7 +31729,7 @@
 </p:sld>
 </file>
 
-<file path=ppt/slides/slide34.xml><?xml version="1.0" encoding="utf-8"?>
+<file path=ppt/slides/slide33.xml><?xml version="1.0" encoding="utf-8"?>
 <p:sld xmlns:a="http://schemas.openxmlformats.org/drawingml/2006/main" xmlns:r="http://schemas.openxmlformats.org/officeDocument/2006/relationships" xmlns:p="http://schemas.openxmlformats.org/presentationml/2006/main">
   <p:cSld>
     <p:spTree>
@@ -33948,7 +32545,7 @@
 </p:sld>
 </file>
 
-<file path=ppt/slides/slide35.xml><?xml version="1.0" encoding="utf-8"?>
+<file path=ppt/slides/slide34.xml><?xml version="1.0" encoding="utf-8"?>
 <p:sld xmlns:a="http://schemas.openxmlformats.org/drawingml/2006/main" xmlns:r="http://schemas.openxmlformats.org/officeDocument/2006/relationships" xmlns:p="http://schemas.openxmlformats.org/presentationml/2006/main">
   <p:cSld>
     <p:spTree>
@@ -34023,7 +32620,7 @@
 </p:sld>
 </file>
 
-<file path=ppt/slides/slide36.xml><?xml version="1.0" encoding="utf-8"?>
+<file path=ppt/slides/slide35.xml><?xml version="1.0" encoding="utf-8"?>
 <p:sld xmlns:a="http://schemas.openxmlformats.org/drawingml/2006/main" xmlns:r="http://schemas.openxmlformats.org/officeDocument/2006/relationships" xmlns:p="http://schemas.openxmlformats.org/presentationml/2006/main">
   <p:cSld>
     <p:spTree>
@@ -34305,7 +32902,7 @@
 </p:sld>
 </file>
 
-<file path=ppt/slides/slide37.xml><?xml version="1.0" encoding="utf-8"?>
+<file path=ppt/slides/slide36.xml><?xml version="1.0" encoding="utf-8"?>
 <p:sld xmlns:a="http://schemas.openxmlformats.org/drawingml/2006/main" xmlns:r="http://schemas.openxmlformats.org/officeDocument/2006/relationships" xmlns:p="http://schemas.openxmlformats.org/presentationml/2006/main">
   <p:cSld>
     <p:spTree>
@@ -34358,8 +32955,8 @@
           </a:p>
         </p:txBody>
       </p:sp>
-      <mc:AlternateContent xmlns:mc="http://schemas.openxmlformats.org/markup-compatibility/2006">
-        <mc:Choice xmlns:a14="http://schemas.microsoft.com/office/drawing/2010/main" Requires="a14">
+      <mc:AlternateContent xmlns:mc="http://schemas.openxmlformats.org/markup-compatibility/2006" xmlns:a14="http://schemas.microsoft.com/office/drawing/2010/main">
+        <mc:Choice Requires="a14">
           <p:sp>
             <p:nvSpPr>
               <p:cNvPr id="3" name="Content Placeholder 2">
@@ -35003,7 +33600,7 @@
             </p:txBody>
           </p:sp>
         </mc:Choice>
-        <mc:Fallback>
+        <mc:Fallback xmlns="">
           <p:sp>
             <p:nvSpPr>
               <p:cNvPr id="3" name="Content Placeholder 2">
@@ -35060,7 +33657,7 @@
 </p:sld>
 </file>
 
-<file path=ppt/slides/slide38.xml><?xml version="1.0" encoding="utf-8"?>
+<file path=ppt/slides/slide37.xml><?xml version="1.0" encoding="utf-8"?>
 <p:sld xmlns:a="http://schemas.openxmlformats.org/drawingml/2006/main" xmlns:r="http://schemas.openxmlformats.org/officeDocument/2006/relationships" xmlns:p="http://schemas.openxmlformats.org/presentationml/2006/main">
   <p:cSld>
     <p:spTree>
